--- a/posts/demographics/index.pptx
+++ b/posts/demographics/index.pptx
@@ -8648,7 +8648,7 @@
       </p:sp>
       <p:pic>
         <p:nvPicPr>
-          <p:cNvPr descr="index_files/figure-pptx/unnamed-chunk-3-1.png" id="0" name="Picture 1"/>
+          <p:cNvPr descr="index_files/figure-pptx/unnamed-chunk-3-1.gif" id="0" name="Picture 1"/>
           <p:cNvPicPr>
             <a:picLocks noGrp="1" noChangeAspect="1"/>
           </p:cNvPicPr>

--- a/posts/demographics/index.pptx
+++ b/posts/demographics/index.pptx
@@ -7750,7 +7750,7 @@
             </a:pPr>
             <a:r>
               <a:rPr/>
-              <a:t>JSNA Summary</a:t>
+              <a:t>Demographics</a:t>
             </a:r>
           </a:p>
         </p:txBody>
@@ -7786,7 +7786,7 @@
             </a:pPr>
             <a:r>
               <a:rPr/>
-              <a:t>Demographics</a:t>
+              <a:t>A comphresive summary of Camden’s current and projected population</a:t>
             </a:r>
             <a:br/>
             <a:br/>
@@ -7832,7 +7832,7 @@
           <a:p>
             <a:fld id="{00CFDB79-E735-4FBE-927A-2D3B6EB77C66}" type="datetime1">
               <a:rPr lang="en-US" smtClean="0"/>
-              <a:t>November 2024</a:t>
+              <a:t>2024-12-10</a:t>
             </a:fld>
             <a:endParaRPr dirty="0" lang="en-GB"/>
           </a:p>
@@ -7860,37 +7860,6 @@
           <a:chExt cx="0" cy="0"/>
         </a:xfrm>
       </p:grpSpPr>
-      <p:sp>
-        <p:nvSpPr>
-          <p:cNvPr id="2" name="Title 1">
-            <a:extLst>
-              <a:ext uri="{FF2B5EF4-FFF2-40B4-BE49-F238E27FC236}">
-                <a16:creationId xmlns:a16="http://schemas.microsoft.com/office/drawing/2014/main" id="{D47F9DE3-EE3B-CB4E-A4F3-4D8CDBA77A2A}"/>
-              </a:ext>
-            </a:extLst>
-          </p:cNvPr>
-          <p:cNvSpPr>
-            <a:spLocks noGrp="1"/>
-          </p:cNvSpPr>
-          <p:nvPr>
-            <p:ph type="title"/>
-          </p:nvPr>
-        </p:nvSpPr>
-        <p:spPr/>
-        <p:txBody>
-          <a:bodyPr/>
-          <a:lstStyle/>
-          <a:p>
-            <a:pPr lvl="0" indent="0" marL="0">
-              <a:buNone/>
-            </a:pPr>
-            <a:r>
-              <a:rPr/>
-              <a:t>Ethnicity varies substantially within Camden, with some areas being much more diverse than others</a:t>
-            </a:r>
-          </a:p>
-        </p:txBody>
-      </p:sp>
       <p:pic>
         <p:nvPicPr>
           <p:cNvPr descr="index_files/figure-pptx/unnamed-chunk-6-1.png" id="0" name="Picture 1"/>
@@ -7927,6 +7896,203 @@
 </file>
 
 <file path=ppt/slides/slide11.xml><?xml version="1.0" encoding="utf-8"?>
+<p:sld xmlns:a="http://schemas.openxmlformats.org/drawingml/2006/main" xmlns:r="http://schemas.openxmlformats.org/officeDocument/2006/relationships" xmlns:p="http://schemas.openxmlformats.org/presentationml/2006/main">
+  <p:cSld>
+    <p:spTree>
+      <p:nvGrpSpPr>
+        <p:cNvPr id="1" name=""/>
+        <p:cNvGrpSpPr/>
+        <p:nvPr/>
+      </p:nvGrpSpPr>
+      <p:grpSpPr>
+        <a:xfrm>
+          <a:off x="0" y="0"/>
+          <a:ext cx="0" cy="0"/>
+          <a:chOff x="0" y="0"/>
+          <a:chExt cx="0" cy="0"/>
+        </a:xfrm>
+      </p:grpSpPr>
+      <p:sp>
+        <p:nvSpPr>
+          <p:cNvPr id="4" name="Text Placeholder 3"/>
+          <p:cNvSpPr>
+            <a:spLocks noGrp="1"/>
+          </p:cNvSpPr>
+          <p:nvPr>
+            <p:ph idx="2" sz="half" type="body"/>
+          </p:nvPr>
+        </p:nvSpPr>
+        <p:spPr/>
+        <p:txBody>
+          <a:bodyPr/>
+          <a:lstStyle/>
+          <a:p>
+            <a:pPr lvl="0" indent="0" marL="0">
+              <a:spcBef>
+                <a:spcPts val="3000"/>
+              </a:spcBef>
+              <a:buNone/>
+            </a:pPr>
+            <a:r>
+              <a:rPr b="1"/>
+              <a:t>Language</a:t>
+            </a:r>
+          </a:p>
+          <a:p>
+            <a:pPr lvl="0" indent="0" marL="0">
+              <a:spcBef>
+                <a:spcPts val="3000"/>
+              </a:spcBef>
+              <a:buNone/>
+            </a:pPr>
+            <a:r>
+              <a:rPr b="1"/>
+              <a:t>Deprivation</a:t>
+            </a:r>
+          </a:p>
+        </p:txBody>
+      </p:sp>
+      <p:pic>
+        <p:nvPicPr>
+          <p:cNvPr descr="index_files/figure-pptx/unnamed-chunk-7-1.png" id="0" name="Picture 1"/>
+          <p:cNvPicPr>
+            <a:picLocks noGrp="1" noChangeAspect="1"/>
+          </p:cNvPicPr>
+          <p:nvPr/>
+        </p:nvPicPr>
+        <p:blipFill>
+          <a:blip r:embed="rId2"/>
+          <a:stretch>
+            <a:fillRect/>
+          </a:stretch>
+        </p:blipFill>
+        <p:spPr bwMode="auto">
+          <a:xfrm>
+            <a:off x="4114800" y="203200"/>
+            <a:ext cx="4013200" cy="4381500"/>
+          </a:xfrm>
+          <a:prstGeom prst="rect">
+            <a:avLst/>
+          </a:prstGeom>
+          <a:noFill/>
+          <a:ln w="9525">
+            <a:noFill/>
+            <a:headEnd/>
+            <a:tailEnd/>
+          </a:ln>
+        </p:spPr>
+      </p:pic>
+      <p:sp>
+        <p:nvSpPr>
+          <p:cNvPr id="5" name="Date Placeholder 4"/>
+          <p:cNvSpPr>
+            <a:spLocks noGrp="1"/>
+          </p:cNvSpPr>
+          <p:nvPr>
+            <p:ph idx="10" sz="half" type="dt"/>
+          </p:nvPr>
+        </p:nvSpPr>
+        <p:spPr/>
+        <p:txBody>
+          <a:bodyPr/>
+          <a:lstStyle/>
+          <a:p>
+            <a:fld id="{241EB5C9-1307-BA42-ABA2-0BC069CD8E7F}" type="datetimeFigureOut">
+              <a:rPr lang="en-US" smtClean="0"/>
+              <a:t>2024-12-10</a:t>
+            </a:fld>
+            <a:endParaRPr lang="en-US"/>
+          </a:p>
+        </p:txBody>
+      </p:sp>
+    </p:spTree>
+  </p:cSld>
+</p:sld>
+</file>
+
+<file path=ppt/slides/slide12.xml><?xml version="1.0" encoding="utf-8"?>
+<p:sld xmlns:a="http://schemas.openxmlformats.org/drawingml/2006/main" xmlns:r="http://schemas.openxmlformats.org/officeDocument/2006/relationships" xmlns:p="http://schemas.openxmlformats.org/presentationml/2006/main">
+  <p:cSld>
+    <p:spTree>
+      <p:nvGrpSpPr>
+        <p:cNvPr id="1" name=""/>
+        <p:cNvGrpSpPr/>
+        <p:nvPr/>
+      </p:nvGrpSpPr>
+      <p:grpSpPr>
+        <a:xfrm>
+          <a:off x="0" y="0"/>
+          <a:ext cx="0" cy="0"/>
+          <a:chOff x="0" y="0"/>
+          <a:chExt cx="0" cy="0"/>
+        </a:xfrm>
+      </p:grpSpPr>
+      <p:sp>
+        <p:nvSpPr>
+          <p:cNvPr id="3" name="Content Placeholder 2">
+            <a:extLst>
+              <a:ext uri="{FF2B5EF4-FFF2-40B4-BE49-F238E27FC236}">
+                <a16:creationId xmlns:a16="http://schemas.microsoft.com/office/drawing/2014/main" id="{565E33ED-E698-3331-4AE5-2F45400EE074}"/>
+              </a:ext>
+            </a:extLst>
+          </p:cNvPr>
+          <p:cNvSpPr>
+            <a:spLocks noGrp="1"/>
+          </p:cNvSpPr>
+          <p:nvPr>
+            <p:ph idx="1"/>
+          </p:nvPr>
+        </p:nvSpPr>
+        <p:spPr/>
+        <p:txBody>
+          <a:bodyPr/>
+          <a:lstStyle/>
+          <a:p>
+            <a:pPr lvl="0" indent="0" marL="0">
+              <a:buNone/>
+            </a:pPr>
+            <a:r>
+              <a:rPr/>
+              <a:t>1 </a:t>
+            </a:r>
+            <a:r>
+              <a:rPr>
+                <a:hlinkClick r:id="rId2"/>
+              </a:rPr>
+              <a:t>Population change in london during the pandemic - london datastore</a:t>
+            </a:r>
+            <a:r>
+              <a:rPr/>
+              <a:t>.</a:t>
+            </a:r>
+          </a:p>
+          <a:p>
+            <a:pPr lvl="0" indent="0" marL="0">
+              <a:buNone/>
+            </a:pPr>
+            <a:r>
+              <a:rPr/>
+              <a:t>2 </a:t>
+            </a:r>
+            <a:r>
+              <a:rPr>
+                <a:hlinkClick r:id="rId3"/>
+              </a:rPr>
+              <a:t>Demography  london datastore</a:t>
+            </a:r>
+            <a:r>
+              <a:rPr/>
+              <a:t>.</a:t>
+            </a:r>
+          </a:p>
+        </p:txBody>
+      </p:sp>
+    </p:spTree>
+  </p:cSld>
+</p:sld>
+</file>
+
+<file path=ppt/slides/slide2.xml><?xml version="1.0" encoding="utf-8"?>
 <p:sld xmlns:a="http://schemas.openxmlformats.org/drawingml/2006/main" xmlns:r="http://schemas.openxmlformats.org/officeDocument/2006/relationships" xmlns:p="http://schemas.openxmlformats.org/presentationml/2006/main">
   <p:cSld>
     <p:bg>
@@ -7983,153 +8149,7 @@
             </a:pPr>
             <a:r>
               <a:rPr/>
-              <a:t>Deprivation</a:t>
-            </a:r>
-          </a:p>
-        </p:txBody>
-      </p:sp>
-      <p:pic>
-        <p:nvPicPr>
-          <p:cNvPr descr="index_files/figure-pptx/unnamed-chunk-7-1.png" id="0" name="Picture 1"/>
-          <p:cNvPicPr>
-            <a:picLocks noGrp="1" noChangeAspect="1"/>
-          </p:cNvPicPr>
-          <p:nvPr/>
-        </p:nvPicPr>
-        <p:blipFill>
-          <a:blip r:embed="rId3"/>
-          <a:stretch>
-            <a:fillRect/>
-          </a:stretch>
-        </p:blipFill>
-        <p:spPr bwMode="auto">
-          <a:xfrm>
-            <a:off x="4102100" y="1816100"/>
-            <a:ext cx="3987800" cy="4343400"/>
-          </a:xfrm>
-          <a:prstGeom prst="rect">
-            <a:avLst/>
-          </a:prstGeom>
-          <a:noFill/>
-          <a:ln w="9525">
-            <a:noFill/>
-            <a:headEnd/>
-            <a:tailEnd/>
-          </a:ln>
-        </p:spPr>
-      </p:pic>
-    </p:spTree>
-  </p:cSld>
-</p:sld>
-</file>
-
-<file path=ppt/slides/slide12.xml><?xml version="1.0" encoding="utf-8"?>
-<p:sld xmlns:a="http://schemas.openxmlformats.org/drawingml/2006/main" xmlns:r="http://schemas.openxmlformats.org/officeDocument/2006/relationships" xmlns:p="http://schemas.openxmlformats.org/presentationml/2006/main">
-  <p:cSld>
-    <p:spTree>
-      <p:nvGrpSpPr>
-        <p:cNvPr id="1" name=""/>
-        <p:cNvGrpSpPr/>
-        <p:nvPr/>
-      </p:nvGrpSpPr>
-      <p:grpSpPr>
-        <a:xfrm>
-          <a:off x="0" y="0"/>
-          <a:ext cx="0" cy="0"/>
-          <a:chOff x="0" y="0"/>
-          <a:chExt cx="0" cy="0"/>
-        </a:xfrm>
-      </p:grpSpPr>
-      <p:sp>
-        <p:nvSpPr>
-          <p:cNvPr id="3" name="Content Placeholder 2">
-            <a:extLst>
-              <a:ext uri="{FF2B5EF4-FFF2-40B4-BE49-F238E27FC236}">
-                <a16:creationId xmlns:a16="http://schemas.microsoft.com/office/drawing/2014/main" id="{565E33ED-E698-3331-4AE5-2F45400EE074}"/>
-              </a:ext>
-            </a:extLst>
-          </p:cNvPr>
-          <p:cNvSpPr>
-            <a:spLocks noGrp="1"/>
-          </p:cNvSpPr>
-          <p:nvPr>
-            <p:ph idx="1"/>
-          </p:nvPr>
-        </p:nvSpPr>
-        <p:spPr/>
-        <p:txBody>
-          <a:bodyPr/>
-          <a:lstStyle/>
-          <a:p>
-            <a:pPr lvl="0" indent="0" marL="0">
-              <a:buNone/>
-            </a:pPr>
-            <a:r>
-              <a:rPr/>
-              <a:t>1 </a:t>
-            </a:r>
-            <a:r>
-              <a:rPr>
-                <a:hlinkClick r:id="rId2"/>
-              </a:rPr>
-              <a:t>Population change in london during the pandemic - london datastore</a:t>
-            </a:r>
-            <a:r>
-              <a:rPr/>
-              <a:t>.</a:t>
-            </a:r>
-          </a:p>
-        </p:txBody>
-      </p:sp>
-    </p:spTree>
-  </p:cSld>
-</p:sld>
-</file>
-
-<file path=ppt/slides/slide2.xml><?xml version="1.0" encoding="utf-8"?>
-<p:sld xmlns:a="http://schemas.openxmlformats.org/drawingml/2006/main" xmlns:r="http://schemas.openxmlformats.org/officeDocument/2006/relationships" xmlns:p="http://schemas.openxmlformats.org/presentationml/2006/main">
-  <p:cSld>
-    <p:spTree>
-      <p:nvGrpSpPr>
-        <p:cNvPr id="1" name=""/>
-        <p:cNvGrpSpPr/>
-        <p:nvPr/>
-      </p:nvGrpSpPr>
-      <p:grpSpPr>
-        <a:xfrm>
-          <a:off x="0" y="0"/>
-          <a:ext cx="0" cy="0"/>
-          <a:chOff x="0" y="0"/>
-          <a:chExt cx="0" cy="0"/>
-        </a:xfrm>
-      </p:grpSpPr>
-      <p:sp>
-        <p:nvSpPr>
-          <p:cNvPr id="2" name="Title 1">
-            <a:extLst>
-              <a:ext uri="{FF2B5EF4-FFF2-40B4-BE49-F238E27FC236}">
-                <a16:creationId xmlns:a16="http://schemas.microsoft.com/office/drawing/2014/main" id="{BDEB42A7-A7E4-D1CC-6431-87A67F241A01}"/>
-              </a:ext>
-            </a:extLst>
-          </p:cNvPr>
-          <p:cNvSpPr>
-            <a:spLocks noGrp="1"/>
-          </p:cNvSpPr>
-          <p:nvPr>
-            <p:ph type="title"/>
-          </p:nvPr>
-        </p:nvSpPr>
-        <p:spPr/>
-        <p:txBody>
-          <a:bodyPr/>
-          <a:lstStyle/>
-          <a:p>
-            <a:pPr lvl="0" indent="0" marL="0">
-              <a:buNone/>
-            </a:pPr>
-            <a:r>
-              <a:rPr/>
-              <a:t>Table of contents</a:t>
+              <a:t>Introduction</a:t>
             </a:r>
           </a:p>
         </p:txBody>
@@ -8155,84 +8175,21 @@
           <a:bodyPr/>
           <a:lstStyle/>
           <a:p>
-            <a:pPr lvl="0"/>
+            <a:pPr lvl="0" indent="0" marL="0">
+              <a:buNone/>
+            </a:pPr>
             <a:r>
-              <a:rPr>
-                <a:hlinkClick r:id="rId2" action="ppaction://hlinksldjump"/>
-              </a:rPr>
-              <a:t>Introduction</a:t>
+              <a:rPr/>
+              <a:t>This JSNA summary provides a concise overview of residents of Camden. It presents data on the size and structure of the population, and a range of groups within it, for example different ethnic groups, as well as projections of how the population may change in the future.</a:t>
             </a:r>
           </a:p>
           <a:p>
-            <a:pPr lvl="1"/>
+            <a:pPr lvl="0" indent="0" marL="0">
+              <a:buNone/>
+            </a:pPr>
             <a:r>
-              <a:rPr>
-                <a:hlinkClick r:id="rId3" action="ppaction://hlinksldjump"/>
-              </a:rPr>
-              <a:t>Camden’s JSNA</a:t>
-            </a:r>
-          </a:p>
-          <a:p>
-            <a:pPr lvl="0"/>
-            <a:r>
-              <a:rPr>
-                <a:hlinkClick r:id="rId4" action="ppaction://hlinksldjump"/>
-              </a:rPr>
-              <a:t>Population</a:t>
-            </a:r>
-          </a:p>
-          <a:p>
-            <a:pPr lvl="1"/>
-            <a:r>
-              <a:rPr>
-                <a:hlinkClick r:id="rId5" action="ppaction://hlinksldjump"/>
-              </a:rPr>
-              <a:t>Camden’s population has fallen but is expected to rebound</a:t>
-            </a:r>
-          </a:p>
-          <a:p>
-            <a:pPr lvl="1"/>
-            <a:r>
-              <a:rPr>
-                <a:hlinkClick r:id="rId6" action="ppaction://hlinksldjump"/>
-              </a:rPr>
-              <a:t>Camden’s population is ageing, though young adults will remain the largest group</a:t>
-            </a:r>
-          </a:p>
-          <a:p>
-            <a:pPr lvl="0"/>
-            <a:r>
-              <a:rPr>
-                <a:hlinkClick r:id="rId7" action="ppaction://hlinksldjump"/>
-              </a:rPr>
-              <a:t>Ethnicity</a:t>
-            </a:r>
-          </a:p>
-          <a:p>
-            <a:pPr lvl="1"/>
-            <a:r>
-              <a:rPr>
-                <a:hlinkClick r:id="rId8" action="ppaction://hlinksldjump"/>
-              </a:rPr>
-              <a:t>Camden’s is one of the most diverse places in the country, though the majority of the population identify as White</a:t>
-            </a:r>
-          </a:p>
-          <a:p>
-            <a:pPr lvl="1"/>
-            <a:r>
-              <a:rPr>
-                <a:hlinkClick r:id="rId9" action="ppaction://hlinksldjump"/>
-              </a:rPr>
-              <a:t>Ethnicity varies substantially within Camden, with some areas being much more diverse than others</a:t>
-            </a:r>
-          </a:p>
-          <a:p>
-            <a:pPr lvl="1"/>
-            <a:r>
-              <a:rPr>
-                <a:hlinkClick r:id="rId10" action="ppaction://hlinksldjump"/>
-              </a:rPr>
-              <a:t>Deprivation</a:t>
+              <a:rPr/>
+              <a:t>Camden’s Joint Strategic Needs Assessment explores the health and wellbeing of the borough’s residents and highlights areas of good practice and where opportunities to do more exist, including tacking inequalities. The JSNA helps public bodies decide what type of local services to commission.</a:t>
             </a:r>
           </a:p>
         </p:txBody>
@@ -8278,7 +8235,7 @@
           <p:cNvPr id="2" name="Title 1">
             <a:extLst>
               <a:ext uri="{FF2B5EF4-FFF2-40B4-BE49-F238E27FC236}">
-                <a16:creationId xmlns:a16="http://schemas.microsoft.com/office/drawing/2014/main" id="{D522C23E-569A-8212-17CC-549EF53C3F67}"/>
+                <a16:creationId xmlns:a16="http://schemas.microsoft.com/office/drawing/2014/main" id="{BDEB42A7-A7E4-D1CC-6431-87A67F241A01}"/>
               </a:ext>
             </a:extLst>
           </p:cNvPr>
@@ -8289,12 +8246,7 @@
             <p:ph type="title"/>
           </p:nvPr>
         </p:nvSpPr>
-        <p:spPr>
-          <a:xfrm>
-            <a:off x="748748" y="1956182"/>
-            <a:ext cx="6655904" cy="1084405"/>
-          </a:xfrm>
-        </p:spPr>
+        <p:spPr/>
         <p:txBody>
           <a:bodyPr/>
           <a:lstStyle/>
@@ -8304,7 +8256,41 @@
             </a:pPr>
             <a:r>
               <a:rPr/>
-              <a:t>Introduction</a:t>
+              <a:t>Population</a:t>
+            </a:r>
+          </a:p>
+        </p:txBody>
+      </p:sp>
+      <p:sp>
+        <p:nvSpPr>
+          <p:cNvPr id="3" name="Content Placeholder 2">
+            <a:extLst>
+              <a:ext uri="{FF2B5EF4-FFF2-40B4-BE49-F238E27FC236}">
+                <a16:creationId xmlns:a16="http://schemas.microsoft.com/office/drawing/2014/main" id="{565E33ED-E698-3331-4AE5-2F45400EE074}"/>
+              </a:ext>
+            </a:extLst>
+          </p:cNvPr>
+          <p:cNvSpPr>
+            <a:spLocks noGrp="1"/>
+          </p:cNvSpPr>
+          <p:nvPr>
+            <p:ph idx="1"/>
+          </p:nvPr>
+        </p:nvSpPr>
+        <p:spPr/>
+        <p:txBody>
+          <a:bodyPr/>
+          <a:lstStyle/>
+          <a:p>
+            <a:pPr lvl="0" indent="0" marL="0">
+              <a:spcBef>
+                <a:spcPts val="3000"/>
+              </a:spcBef>
+              <a:buNone/>
+            </a:pPr>
+            <a:r>
+              <a:rPr b="1"/>
+              <a:t>Camden’s population has fallen but is expected to rebound</a:t>
             </a:r>
           </a:p>
         </p:txBody>
@@ -8331,324 +8317,9 @@
           <a:chExt cx="0" cy="0"/>
         </a:xfrm>
       </p:grpSpPr>
-      <p:sp>
-        <p:nvSpPr>
-          <p:cNvPr id="2" name="Title 1">
-            <a:extLst>
-              <a:ext uri="{FF2B5EF4-FFF2-40B4-BE49-F238E27FC236}">
-                <a16:creationId xmlns:a16="http://schemas.microsoft.com/office/drawing/2014/main" id="{BDEB42A7-A7E4-D1CC-6431-87A67F241A01}"/>
-              </a:ext>
-            </a:extLst>
-          </p:cNvPr>
-          <p:cNvSpPr>
-            <a:spLocks noGrp="1"/>
-          </p:cNvSpPr>
-          <p:nvPr>
-            <p:ph type="title"/>
-          </p:nvPr>
-        </p:nvSpPr>
-        <p:spPr/>
-        <p:txBody>
-          <a:bodyPr/>
-          <a:lstStyle/>
-          <a:p>
-            <a:pPr lvl="0" indent="0" marL="0">
-              <a:buNone/>
-            </a:pPr>
-            <a:r>
-              <a:rPr/>
-              <a:t>Camden’s JSNA</a:t>
-            </a:r>
-          </a:p>
-        </p:txBody>
-      </p:sp>
-      <p:sp>
-        <p:nvSpPr>
-          <p:cNvPr id="3" name="Content Placeholder 2">
-            <a:extLst>
-              <a:ext uri="{FF2B5EF4-FFF2-40B4-BE49-F238E27FC236}">
-                <a16:creationId xmlns:a16="http://schemas.microsoft.com/office/drawing/2014/main" id="{565E33ED-E698-3331-4AE5-2F45400EE074}"/>
-              </a:ext>
-            </a:extLst>
-          </p:cNvPr>
-          <p:cNvSpPr>
-            <a:spLocks noGrp="1"/>
-          </p:cNvSpPr>
-          <p:nvPr>
-            <p:ph idx="1"/>
-          </p:nvPr>
-        </p:nvSpPr>
-        <p:spPr/>
-        <p:txBody>
-          <a:bodyPr/>
-          <a:lstStyle/>
-          <a:p>
-            <a:pPr lvl="0" indent="0" marL="0">
-              <a:buNone/>
-            </a:pPr>
-            <a:r>
-              <a:rPr/>
-              <a:t>This is JSNA summary is a concise summary of the demographics of residents of Camden. It presents data on the size and structure of the population and a range of groups within it, for example different ethnic groups.</a:t>
-            </a:r>
-          </a:p>
-          <a:p>
-            <a:pPr lvl="0" indent="0" marL="0">
-              <a:buNone/>
-            </a:pPr>
-            <a:r>
-              <a:rPr/>
-              <a:t>Camden’s Joint Strategic Needs Assessment explores the health and wellbeing of the borough’s residents and highlights areas of good practice and where opportunities to do more exist, including tacking inequalities. The JSNA helps public bodies decide what type of local services to commission.</a:t>
-            </a:r>
-          </a:p>
-        </p:txBody>
-      </p:sp>
-    </p:spTree>
-  </p:cSld>
-</p:sld>
-</file>
-
-<file path=ppt/slides/slide5.xml><?xml version="1.0" encoding="utf-8"?>
-<p:sld xmlns:a="http://schemas.openxmlformats.org/drawingml/2006/main" xmlns:r="http://schemas.openxmlformats.org/officeDocument/2006/relationships" xmlns:p="http://schemas.openxmlformats.org/presentationml/2006/main">
-  <p:cSld>
-    <p:bg>
-      <p:bgPr>
-        <a:blipFill dpi="0" rotWithShape="1">
-          <a:blip r:embed="rId2">
-            <a:lum/>
-          </a:blip>
-          <a:srcRect/>
-          <a:stretch>
-            <a:fillRect t="0" b="0"/>
-          </a:stretch>
-        </a:blipFill>
-        <a:effectsLst/>
-      </p:bgPr>
-    </p:bg>
-    <p:spTree>
-      <p:nvGrpSpPr>
-        <p:cNvPr id="1" name=""/>
-        <p:cNvGrpSpPr/>
-        <p:nvPr/>
-      </p:nvGrpSpPr>
-      <p:grpSpPr>
-        <a:xfrm>
-          <a:off x="0" y="0"/>
-          <a:ext cx="0" cy="0"/>
-          <a:chOff x="0" y="0"/>
-          <a:chExt cx="0" cy="0"/>
-        </a:xfrm>
-      </p:grpSpPr>
-      <p:sp>
-        <p:nvSpPr>
-          <p:cNvPr id="2" name="Title 1">
-            <a:extLst>
-              <a:ext uri="{FF2B5EF4-FFF2-40B4-BE49-F238E27FC236}">
-                <a16:creationId xmlns:a16="http://schemas.microsoft.com/office/drawing/2014/main" id="{D522C23E-569A-8212-17CC-549EF53C3F67}"/>
-              </a:ext>
-            </a:extLst>
-          </p:cNvPr>
-          <p:cNvSpPr>
-            <a:spLocks noGrp="1"/>
-          </p:cNvSpPr>
-          <p:nvPr>
-            <p:ph type="title"/>
-          </p:nvPr>
-        </p:nvSpPr>
-        <p:spPr>
-          <a:xfrm>
-            <a:off x="748748" y="1956182"/>
-            <a:ext cx="6655904" cy="1084405"/>
-          </a:xfrm>
-        </p:spPr>
-        <p:txBody>
-          <a:bodyPr/>
-          <a:lstStyle/>
-          <a:p>
-            <a:pPr lvl="0" indent="0" marL="0">
-              <a:buNone/>
-            </a:pPr>
-            <a:r>
-              <a:rPr/>
-              <a:t>Population</a:t>
-            </a:r>
-          </a:p>
-        </p:txBody>
-      </p:sp>
-    </p:spTree>
-  </p:cSld>
-</p:sld>
-</file>
-
-<file path=ppt/slides/slide6.xml><?xml version="1.0" encoding="utf-8"?>
-<p:sld xmlns:a="http://schemas.openxmlformats.org/drawingml/2006/main" xmlns:r="http://schemas.openxmlformats.org/officeDocument/2006/relationships" xmlns:p="http://schemas.openxmlformats.org/presentationml/2006/main">
-  <p:cSld>
-    <p:bg>
-      <p:bgPr>
-        <a:blipFill dpi="0" rotWithShape="1">
-          <a:blip r:embed="rId2">
-            <a:lum/>
-          </a:blip>
-          <a:srcRect/>
-          <a:stretch>
-            <a:fillRect t="0" b="0"/>
-          </a:stretch>
-        </a:blipFill>
-        <a:effectsLst/>
-      </p:bgPr>
-    </p:bg>
-    <p:spTree>
-      <p:nvGrpSpPr>
-        <p:cNvPr id="1" name=""/>
-        <p:cNvGrpSpPr/>
-        <p:nvPr/>
-      </p:nvGrpSpPr>
-      <p:grpSpPr>
-        <a:xfrm>
-          <a:off x="0" y="0"/>
-          <a:ext cx="0" cy="0"/>
-          <a:chOff x="0" y="0"/>
-          <a:chExt cx="0" cy="0"/>
-        </a:xfrm>
-      </p:grpSpPr>
-      <p:sp>
-        <p:nvSpPr>
-          <p:cNvPr id="2" name="Title 1">
-            <a:extLst>
-              <a:ext uri="{FF2B5EF4-FFF2-40B4-BE49-F238E27FC236}">
-                <a16:creationId xmlns:a16="http://schemas.microsoft.com/office/drawing/2014/main" id="{D47F9DE3-EE3B-CB4E-A4F3-4D8CDBA77A2A}"/>
-              </a:ext>
-            </a:extLst>
-          </p:cNvPr>
-          <p:cNvSpPr>
-            <a:spLocks noGrp="1"/>
-          </p:cNvSpPr>
-          <p:nvPr>
-            <p:ph type="title"/>
-          </p:nvPr>
-        </p:nvSpPr>
-        <p:spPr/>
-        <p:txBody>
-          <a:bodyPr/>
-          <a:lstStyle/>
-          <a:p>
-            <a:pPr lvl="0" indent="0" marL="0">
-              <a:buNone/>
-            </a:pPr>
-            <a:r>
-              <a:rPr/>
-              <a:t>Camden’s population has fallen but is expected to rebound</a:t>
-            </a:r>
-          </a:p>
-        </p:txBody>
-      </p:sp>
-      <p:sp>
-        <p:nvSpPr>
-          <p:cNvPr id="4" name="Content Placeholder 3">
-            <a:extLst>
-              <a:ext uri="{FF2B5EF4-FFF2-40B4-BE49-F238E27FC236}">
-                <a16:creationId xmlns:a16="http://schemas.microsoft.com/office/drawing/2014/main" id="{EB794959-04C2-640D-1268-2AE715D698AD}"/>
-              </a:ext>
-            </a:extLst>
-          </p:cNvPr>
-          <p:cNvSpPr>
-            <a:spLocks noGrp="1"/>
-          </p:cNvSpPr>
-          <p:nvPr>
-            <p:ph idx="2" sz="half"/>
-          </p:nvPr>
-        </p:nvSpPr>
-        <p:spPr/>
-        <p:txBody>
-          <a:bodyPr/>
-          <a:lstStyle/>
-          <a:p>
-            <a:pPr lvl="0" indent="0" marL="0">
-              <a:buNone/>
-            </a:pPr>
-            <a:r>
-              <a:rPr/>
-              <a:t>Camden’s population slowly fell until around 2020 when it started to increase again, with further rises predicted. While the size of the population has fluctuated by relatively small amounts, the individuals that comprise the population change frequently with Camden having a high rate of migration within the UK and internationally.</a:t>
-            </a:r>
-          </a:p>
-          <a:p>
-            <a:pPr lvl="0" indent="0" marL="0">
-              <a:spcBef>
-                <a:spcPts val="3000"/>
-              </a:spcBef>
-              <a:buNone/>
-            </a:pPr>
-            <a:r>
-              <a:rPr b="1"/>
-              <a:t>Note on the 2021 Census</a:t>
-            </a:r>
-          </a:p>
-          <a:p>
-            <a:pPr lvl="0" indent="0" marL="0">
-              <a:buNone/>
-            </a:pPr>
-            <a:r>
-              <a:rPr/>
-              <a:t>Prior to the 2021 Census Camden was estimated to have a population of around 280,000 based on projections from the 2011 Census. The 2021 Census found the population was substantially lower. This may have happened for a number of reasons, such as temporary relocation away from the borough during the Covid-19 pandemic with some evidence this is now reversing. [1] While adjustments have been made by ONS, including backdating some population estimates, it can be unclear when indicators are using the high or low version of the population and consequently there can be substantial variation in some indicators depending on source, version, or between time periods even where there has been little change in the count of a metric.</a:t>
-            </a:r>
-          </a:p>
-        </p:txBody>
-      </p:sp>
-    </p:spTree>
-  </p:cSld>
-</p:sld>
-</file>
-
-<file path=ppt/slides/slide7.xml><?xml version="1.0" encoding="utf-8"?>
-<p:sld xmlns:a="http://schemas.openxmlformats.org/drawingml/2006/main" xmlns:r="http://schemas.openxmlformats.org/officeDocument/2006/relationships" xmlns:p="http://schemas.openxmlformats.org/presentationml/2006/main">
-  <p:cSld>
-    <p:spTree>
-      <p:nvGrpSpPr>
-        <p:cNvPr id="1" name=""/>
-        <p:cNvGrpSpPr/>
-        <p:nvPr/>
-      </p:nvGrpSpPr>
-      <p:grpSpPr>
-        <a:xfrm>
-          <a:off x="0" y="0"/>
-          <a:ext cx="0" cy="0"/>
-          <a:chOff x="0" y="0"/>
-          <a:chExt cx="0" cy="0"/>
-        </a:xfrm>
-      </p:grpSpPr>
-      <p:sp>
-        <p:nvSpPr>
-          <p:cNvPr id="2" name="Title 1">
-            <a:extLst>
-              <a:ext uri="{FF2B5EF4-FFF2-40B4-BE49-F238E27FC236}">
-                <a16:creationId xmlns:a16="http://schemas.microsoft.com/office/drawing/2014/main" id="{D47F9DE3-EE3B-CB4E-A4F3-4D8CDBA77A2A}"/>
-              </a:ext>
-            </a:extLst>
-          </p:cNvPr>
-          <p:cNvSpPr>
-            <a:spLocks noGrp="1"/>
-          </p:cNvSpPr>
-          <p:nvPr>
-            <p:ph type="title"/>
-          </p:nvPr>
-        </p:nvSpPr>
-        <p:spPr/>
-        <p:txBody>
-          <a:bodyPr/>
-          <a:lstStyle/>
-          <a:p>
-            <a:pPr lvl="0" indent="0" marL="0">
-              <a:buNone/>
-            </a:pPr>
-            <a:r>
-              <a:rPr/>
-              <a:t>Camden’s population is ageing, though young adults will remain the largest group</a:t>
-            </a:r>
-          </a:p>
-        </p:txBody>
-      </p:sp>
       <p:pic>
         <p:nvPicPr>
-          <p:cNvPr descr="index_files/figure-pptx/unnamed-chunk-3-1.gif" id="0" name="Picture 1"/>
+          <p:cNvPr descr="index_files/figure-pptx/unnamed-chunk-2-1.png" id="0" name="Picture 1"/>
           <p:cNvPicPr>
             <a:picLocks noGrp="1" noChangeAspect="1"/>
           </p:cNvPicPr>
@@ -8702,7 +8373,254 @@
             </a:pPr>
             <a:r>
               <a:rPr/>
+              <a:t>Camden’s population slowly fell until around 2020 when it started to increase again, with further rises predicted. While the size of the population has fluctuated by relatively small amounts, the individuals that comprise the population change frequently with Camden having a high rate of migration within the UK and internationally.</a:t>
+            </a:r>
+          </a:p>
+          <a:p>
+            <a:pPr lvl="0" indent="0" marL="0">
+              <a:spcBef>
+                <a:spcPts val="3000"/>
+              </a:spcBef>
+              <a:buNone/>
+            </a:pPr>
+            <a:r>
+              <a:rPr b="1"/>
+              <a:t>Note on the 2021 Census</a:t>
+            </a:r>
+          </a:p>
+          <a:p>
+            <a:pPr lvl="0" indent="0" marL="0">
+              <a:buNone/>
+            </a:pPr>
+            <a:r>
+              <a:rPr/>
+              <a:t>Prior to the 2021 Census Camden was estimated to have a population of around 280,000 based on projections from the 2011 Census. The 2021 Census found the population was substantially lower at 220,000. This may have happened for a number of reasons, such as temporary relocation away from the borough during the Covid-19 pandemic with some evidence this is now reversing.[1] Camden Council’s position is that the Census likely underestimates the actual population and instead generally uses sources such as GLA’s population estimates. [2] It can be unclear when indicators are using the high or low version of the population and consequently there can be substantial variation in some indicators depending on source, version, or between time periods even where there has been little change in the count of a metric.</a:t>
+            </a:r>
+          </a:p>
+        </p:txBody>
+      </p:sp>
+    </p:spTree>
+  </p:cSld>
+</p:sld>
+</file>
+
+<file path=ppt/slides/slide5.xml><?xml version="1.0" encoding="utf-8"?>
+<p:sld xmlns:a="http://schemas.openxmlformats.org/drawingml/2006/main" xmlns:r="http://schemas.openxmlformats.org/officeDocument/2006/relationships" xmlns:p="http://schemas.openxmlformats.org/presentationml/2006/main">
+  <p:cSld>
+    <p:spTree>
+      <p:nvGrpSpPr>
+        <p:cNvPr id="1" name=""/>
+        <p:cNvGrpSpPr/>
+        <p:nvPr/>
+      </p:nvGrpSpPr>
+      <p:grpSpPr>
+        <a:xfrm>
+          <a:off x="0" y="0"/>
+          <a:ext cx="0" cy="0"/>
+          <a:chOff x="0" y="0"/>
+          <a:chExt cx="0" cy="0"/>
+        </a:xfrm>
+      </p:grpSpPr>
+      <p:sp>
+        <p:nvSpPr>
+          <p:cNvPr id="3" name="Content Placeholder 2">
+            <a:extLst>
+              <a:ext uri="{FF2B5EF4-FFF2-40B4-BE49-F238E27FC236}">
+                <a16:creationId xmlns:a16="http://schemas.microsoft.com/office/drawing/2014/main" id="{565E33ED-E698-3331-4AE5-2F45400EE074}"/>
+              </a:ext>
+            </a:extLst>
+          </p:cNvPr>
+          <p:cNvSpPr>
+            <a:spLocks noGrp="1"/>
+          </p:cNvSpPr>
+          <p:nvPr>
+            <p:ph idx="1"/>
+          </p:nvPr>
+        </p:nvSpPr>
+        <p:spPr/>
+        <p:txBody>
+          <a:bodyPr/>
+          <a:lstStyle/>
+          <a:p>
+            <a:pPr lvl="0" indent="0" marL="0">
+              <a:spcBef>
+                <a:spcPts val="3000"/>
+              </a:spcBef>
+              <a:buNone/>
+            </a:pPr>
+            <a:r>
+              <a:rPr b="1"/>
+              <a:t>Camden’s population is ageing, though young adults will remain the largest group</a:t>
+            </a:r>
+          </a:p>
+        </p:txBody>
+      </p:sp>
+    </p:spTree>
+  </p:cSld>
+</p:sld>
+</file>
+
+<file path=ppt/slides/slide6.xml><?xml version="1.0" encoding="utf-8"?>
+<p:sld xmlns:a="http://schemas.openxmlformats.org/drawingml/2006/main" xmlns:r="http://schemas.openxmlformats.org/officeDocument/2006/relationships" xmlns:p="http://schemas.openxmlformats.org/presentationml/2006/main">
+  <p:cSld>
+    <p:spTree>
+      <p:nvGrpSpPr>
+        <p:cNvPr id="1" name=""/>
+        <p:cNvGrpSpPr/>
+        <p:nvPr/>
+      </p:nvGrpSpPr>
+      <p:grpSpPr>
+        <a:xfrm>
+          <a:off x="0" y="0"/>
+          <a:ext cx="0" cy="0"/>
+          <a:chOff x="0" y="0"/>
+          <a:chExt cx="0" cy="0"/>
+        </a:xfrm>
+      </p:grpSpPr>
+      <p:pic>
+        <p:nvPicPr>
+          <p:cNvPr descr="index_files/figure-pptx/unnamed-chunk-3-1.png" id="0" name="Picture 1"/>
+          <p:cNvPicPr>
+            <a:picLocks noGrp="1" noChangeAspect="1"/>
+          </p:cNvPicPr>
+          <p:nvPr/>
+        </p:nvPicPr>
+        <p:blipFill>
+          <a:blip r:embed="rId2"/>
+          <a:stretch>
+            <a:fillRect/>
+          </a:stretch>
+        </p:blipFill>
+        <p:spPr bwMode="auto">
+          <a:xfrm>
+            <a:off x="838200" y="2692400"/>
+            <a:ext cx="5181600" cy="2590800"/>
+          </a:xfrm>
+          <a:prstGeom prst="rect">
+            <a:avLst/>
+          </a:prstGeom>
+          <a:noFill/>
+          <a:ln w="9525">
+            <a:noFill/>
+            <a:headEnd/>
+            <a:tailEnd/>
+          </a:ln>
+        </p:spPr>
+      </p:pic>
+      <p:sp>
+        <p:nvSpPr>
+          <p:cNvPr id="4" name="Content Placeholder 3">
+            <a:extLst>
+              <a:ext uri="{FF2B5EF4-FFF2-40B4-BE49-F238E27FC236}">
+                <a16:creationId xmlns:a16="http://schemas.microsoft.com/office/drawing/2014/main" id="{EB794959-04C2-640D-1268-2AE715D698AD}"/>
+              </a:ext>
+            </a:extLst>
+          </p:cNvPr>
+          <p:cNvSpPr>
+            <a:spLocks noGrp="1"/>
+          </p:cNvSpPr>
+          <p:nvPr>
+            <p:ph idx="2" sz="half"/>
+          </p:nvPr>
+        </p:nvSpPr>
+        <p:spPr/>
+        <p:txBody>
+          <a:bodyPr/>
+          <a:lstStyle/>
+          <a:p>
+            <a:pPr lvl="0" indent="0" marL="0">
+              <a:buNone/>
+            </a:pPr>
+            <a:r>
+              <a:rPr/>
               <a:t>The composition of Camden’s population has changed considerably and this is expected to continue. Between 2013 and 2023 the proportion of residents aged under 18 fell from 17.5328986% to 16.3867959% and it is expected to fall further to 13.9797361% by 2041. Conversely, the proportion of residents aged 65 and over is expected to rise from 11.8595275% in 2023 to 16.3119058% by 2041. The proportion of the population of working is age is expected to remain relatively constant.</a:t>
+            </a:r>
+          </a:p>
+        </p:txBody>
+      </p:sp>
+    </p:spTree>
+  </p:cSld>
+</p:sld>
+</file>
+
+<file path=ppt/slides/slide7.xml><?xml version="1.0" encoding="utf-8"?>
+<p:sld xmlns:a="http://schemas.openxmlformats.org/drawingml/2006/main" xmlns:r="http://schemas.openxmlformats.org/officeDocument/2006/relationships" xmlns:p="http://schemas.openxmlformats.org/presentationml/2006/main">
+  <p:cSld>
+    <p:spTree>
+      <p:nvGrpSpPr>
+        <p:cNvPr id="1" name=""/>
+        <p:cNvGrpSpPr/>
+        <p:nvPr/>
+      </p:nvGrpSpPr>
+      <p:grpSpPr>
+        <a:xfrm>
+          <a:off x="0" y="0"/>
+          <a:ext cx="0" cy="0"/>
+          <a:chOff x="0" y="0"/>
+          <a:chExt cx="0" cy="0"/>
+        </a:xfrm>
+      </p:grpSpPr>
+      <p:sp>
+        <p:nvSpPr>
+          <p:cNvPr id="2" name="Title 1">
+            <a:extLst>
+              <a:ext uri="{FF2B5EF4-FFF2-40B4-BE49-F238E27FC236}">
+                <a16:creationId xmlns:a16="http://schemas.microsoft.com/office/drawing/2014/main" id="{BDEB42A7-A7E4-D1CC-6431-87A67F241A01}"/>
+              </a:ext>
+            </a:extLst>
+          </p:cNvPr>
+          <p:cNvSpPr>
+            <a:spLocks noGrp="1"/>
+          </p:cNvSpPr>
+          <p:nvPr>
+            <p:ph type="title"/>
+          </p:nvPr>
+        </p:nvSpPr>
+        <p:spPr/>
+        <p:txBody>
+          <a:bodyPr/>
+          <a:lstStyle/>
+          <a:p>
+            <a:pPr lvl="0" indent="0" marL="0">
+              <a:buNone/>
+            </a:pPr>
+            <a:r>
+              <a:rPr/>
+              <a:t>Ethnicity</a:t>
+            </a:r>
+          </a:p>
+        </p:txBody>
+      </p:sp>
+      <p:sp>
+        <p:nvSpPr>
+          <p:cNvPr id="3" name="Content Placeholder 2">
+            <a:extLst>
+              <a:ext uri="{FF2B5EF4-FFF2-40B4-BE49-F238E27FC236}">
+                <a16:creationId xmlns:a16="http://schemas.microsoft.com/office/drawing/2014/main" id="{565E33ED-E698-3331-4AE5-2F45400EE074}"/>
+              </a:ext>
+            </a:extLst>
+          </p:cNvPr>
+          <p:cNvSpPr>
+            <a:spLocks noGrp="1"/>
+          </p:cNvSpPr>
+          <p:nvPr>
+            <p:ph idx="1"/>
+          </p:nvPr>
+        </p:nvSpPr>
+        <p:spPr/>
+        <p:txBody>
+          <a:bodyPr/>
+          <a:lstStyle/>
+          <a:p>
+            <a:pPr lvl="0" indent="0" marL="0">
+              <a:spcBef>
+                <a:spcPts val="3000"/>
+              </a:spcBef>
+              <a:buNone/>
+            </a:pPr>
+            <a:r>
+              <a:rPr b="1"/>
+              <a:t>Camden’s is one of the most diverse places in the country, though the majority of the population identify as White</a:t>
             </a:r>
           </a:p>
         </p:txBody>
@@ -8729,95 +8647,6 @@
           <a:chExt cx="0" cy="0"/>
         </a:xfrm>
       </p:grpSpPr>
-      <p:sp>
-        <p:nvSpPr>
-          <p:cNvPr id="2" name="Title 1">
-            <a:extLst>
-              <a:ext uri="{FF2B5EF4-FFF2-40B4-BE49-F238E27FC236}">
-                <a16:creationId xmlns:a16="http://schemas.microsoft.com/office/drawing/2014/main" id="{D522C23E-569A-8212-17CC-549EF53C3F67}"/>
-              </a:ext>
-            </a:extLst>
-          </p:cNvPr>
-          <p:cNvSpPr>
-            <a:spLocks noGrp="1"/>
-          </p:cNvSpPr>
-          <p:nvPr>
-            <p:ph type="title"/>
-          </p:nvPr>
-        </p:nvSpPr>
-        <p:spPr>
-          <a:xfrm>
-            <a:off x="748748" y="1956182"/>
-            <a:ext cx="6655904" cy="1084405"/>
-          </a:xfrm>
-        </p:spPr>
-        <p:txBody>
-          <a:bodyPr/>
-          <a:lstStyle/>
-          <a:p>
-            <a:pPr lvl="0" indent="0" marL="0">
-              <a:buNone/>
-            </a:pPr>
-            <a:r>
-              <a:rPr/>
-              <a:t>Ethnicity</a:t>
-            </a:r>
-          </a:p>
-        </p:txBody>
-      </p:sp>
-    </p:spTree>
-  </p:cSld>
-</p:sld>
-</file>
-
-<file path=ppt/slides/slide9.xml><?xml version="1.0" encoding="utf-8"?>
-<p:sld xmlns:a="http://schemas.openxmlformats.org/drawingml/2006/main" xmlns:r="http://schemas.openxmlformats.org/officeDocument/2006/relationships" xmlns:p="http://schemas.openxmlformats.org/presentationml/2006/main">
-  <p:cSld>
-    <p:spTree>
-      <p:nvGrpSpPr>
-        <p:cNvPr id="1" name=""/>
-        <p:cNvGrpSpPr/>
-        <p:nvPr/>
-      </p:nvGrpSpPr>
-      <p:grpSpPr>
-        <a:xfrm>
-          <a:off x="0" y="0"/>
-          <a:ext cx="0" cy="0"/>
-          <a:chOff x="0" y="0"/>
-          <a:chExt cx="0" cy="0"/>
-        </a:xfrm>
-      </p:grpSpPr>
-      <p:sp>
-        <p:nvSpPr>
-          <p:cNvPr id="2" name="Title 1">
-            <a:extLst>
-              <a:ext uri="{FF2B5EF4-FFF2-40B4-BE49-F238E27FC236}">
-                <a16:creationId xmlns:a16="http://schemas.microsoft.com/office/drawing/2014/main" id="{D47F9DE3-EE3B-CB4E-A4F3-4D8CDBA77A2A}"/>
-              </a:ext>
-            </a:extLst>
-          </p:cNvPr>
-          <p:cNvSpPr>
-            <a:spLocks noGrp="1"/>
-          </p:cNvSpPr>
-          <p:nvPr>
-            <p:ph type="title"/>
-          </p:nvPr>
-        </p:nvSpPr>
-        <p:spPr/>
-        <p:txBody>
-          <a:bodyPr/>
-          <a:lstStyle/>
-          <a:p>
-            <a:pPr lvl="0" indent="0" marL="0">
-              <a:buNone/>
-            </a:pPr>
-            <a:r>
-              <a:rPr/>
-              <a:t>Camden’s is one of the most diverse places in the country, though the majority of the population identify as White</a:t>
-            </a:r>
-          </a:p>
-        </p:txBody>
-      </p:sp>
       <p:pic>
         <p:nvPicPr>
           <p:cNvPr descr="index_files/figure-pptx/unnamed-chunk-5-1.png" id="0" name="Picture 1"/>
@@ -8875,6 +8704,62 @@
             <a:r>
               <a:rPr/>
               <a:t>Around 60% of Camden’s population is White, with White British comprising 40%. Outside of the White ethnic group Camden’s population is comprised of Asian, Asian British or Asian Welsh (20%), Black, Black British, Black Welsh, Caribbean or African (9%), Mixed or Multiple ethnic groups (7%), and Other ethnic group (7%) broad ethnic groups with Bangladeshi (7%), and African (7%) being particularly large groups within these.</a:t>
+            </a:r>
+          </a:p>
+        </p:txBody>
+      </p:sp>
+    </p:spTree>
+  </p:cSld>
+</p:sld>
+</file>
+
+<file path=ppt/slides/slide9.xml><?xml version="1.0" encoding="utf-8"?>
+<p:sld xmlns:a="http://schemas.openxmlformats.org/drawingml/2006/main" xmlns:r="http://schemas.openxmlformats.org/officeDocument/2006/relationships" xmlns:p="http://schemas.openxmlformats.org/presentationml/2006/main">
+  <p:cSld>
+    <p:spTree>
+      <p:nvGrpSpPr>
+        <p:cNvPr id="1" name=""/>
+        <p:cNvGrpSpPr/>
+        <p:nvPr/>
+      </p:nvGrpSpPr>
+      <p:grpSpPr>
+        <a:xfrm>
+          <a:off x="0" y="0"/>
+          <a:ext cx="0" cy="0"/>
+          <a:chOff x="0" y="0"/>
+          <a:chExt cx="0" cy="0"/>
+        </a:xfrm>
+      </p:grpSpPr>
+      <p:sp>
+        <p:nvSpPr>
+          <p:cNvPr id="3" name="Content Placeholder 2">
+            <a:extLst>
+              <a:ext uri="{FF2B5EF4-FFF2-40B4-BE49-F238E27FC236}">
+                <a16:creationId xmlns:a16="http://schemas.microsoft.com/office/drawing/2014/main" id="{565E33ED-E698-3331-4AE5-2F45400EE074}"/>
+              </a:ext>
+            </a:extLst>
+          </p:cNvPr>
+          <p:cNvSpPr>
+            <a:spLocks noGrp="1"/>
+          </p:cNvSpPr>
+          <p:nvPr>
+            <p:ph idx="1"/>
+          </p:nvPr>
+        </p:nvSpPr>
+        <p:spPr/>
+        <p:txBody>
+          <a:bodyPr/>
+          <a:lstStyle/>
+          <a:p>
+            <a:pPr lvl="0" indent="0" marL="0">
+              <a:spcBef>
+                <a:spcPts val="3000"/>
+              </a:spcBef>
+              <a:buNone/>
+            </a:pPr>
+            <a:r>
+              <a:rPr b="1"/>
+              <a:t>Ethnicity varies substantially within Camden, with some areas being much more diverse than others</a:t>
             </a:r>
           </a:p>
         </p:txBody>
